--- a/LC/LC 24 Optimisation d'un procédé chimique (CPGE)/LC 24 diapo.pptx
+++ b/LC/LC 24 Optimisation d'un procédé chimique (CPGE)/LC 24 diapo.pptx
@@ -7,7 +7,7 @@
     <p:sldMasterId id="2147483709" r:id="rId3"/>
   </p:sldMasterIdLst>
   <p:notesMasterIdLst>
-    <p:notesMasterId r:id="rId12"/>
+    <p:notesMasterId r:id="rId11"/>
   </p:notesMasterIdLst>
   <p:sldIdLst>
     <p:sldId id="257" r:id="rId4"/>
@@ -15,9 +15,8 @@
     <p:sldId id="260" r:id="rId6"/>
     <p:sldId id="261" r:id="rId7"/>
     <p:sldId id="262" r:id="rId8"/>
-    <p:sldId id="263" r:id="rId9"/>
-    <p:sldId id="264" r:id="rId10"/>
-    <p:sldId id="258" r:id="rId11"/>
+    <p:sldId id="264" r:id="rId9"/>
+    <p:sldId id="258" r:id="rId10"/>
   </p:sldIdLst>
   <p:sldSz cx="9144000" cy="5145088"/>
   <p:notesSz cx="7559675" cy="10691813"/>
@@ -206,7 +205,7 @@
           <a:p>
             <a:fld id="{E92782F5-A916-4653-9283-0B21DAE59FD2}" type="datetimeFigureOut">
               <a:rPr lang="fr-FR" smtClean="0"/>
-              <a:t>2020-05-11</a:t>
+              <a:t>2020-05-13</a:t>
             </a:fld>
             <a:endParaRPr lang="fr-FR"/>
           </a:p>
@@ -9020,7 +9019,7 @@
           <p:cNvPr id="2" name="Espace réservé du numéro de diapositive 1">
             <a:extLst>
               <a:ext uri="{FF2B5EF4-FFF2-40B4-BE49-F238E27FC236}">
-                <a16:creationId xmlns:a16="http://schemas.microsoft.com/office/drawing/2014/main" id="{185389A2-663D-4908-B014-BBD13500DD31}"/>
+                <a16:creationId xmlns:a16="http://schemas.microsoft.com/office/drawing/2014/main" id="{10B406AA-0058-4DB3-9A3B-6F84125528D6}"/>
               </a:ext>
             </a:extLst>
           </p:cNvPr>
@@ -9040,91 +9039,6 @@
               <a:rPr lang="en-US" smtClean="0"/>
               <a:pPr/>
               <a:t>6</a:t>
-            </a:fld>
-            <a:endParaRPr lang="en-US" dirty="0"/>
-          </a:p>
-        </p:txBody>
-      </p:sp>
-      <p:sp>
-        <p:nvSpPr>
-          <p:cNvPr id="3" name="Titre 2">
-            <a:extLst>
-              <a:ext uri="{FF2B5EF4-FFF2-40B4-BE49-F238E27FC236}">
-                <a16:creationId xmlns:a16="http://schemas.microsoft.com/office/drawing/2014/main" id="{0A8C50ED-2A7C-4EA2-A8DD-FA5000A3C92C}"/>
-              </a:ext>
-            </a:extLst>
-          </p:cNvPr>
-          <p:cNvSpPr>
-            <a:spLocks noGrp="1"/>
-          </p:cNvSpPr>
-          <p:nvPr>
-            <p:ph type="title"/>
-          </p:nvPr>
-        </p:nvSpPr>
-        <p:spPr/>
-        <p:txBody>
-          <a:bodyPr/>
-          <a:lstStyle/>
-          <a:p>
-            <a:endParaRPr lang="fr-FR"/>
-          </a:p>
-        </p:txBody>
-      </p:sp>
-    </p:spTree>
-    <p:extLst>
-      <p:ext uri="{BB962C8B-B14F-4D97-AF65-F5344CB8AC3E}">
-        <p14:creationId xmlns:p14="http://schemas.microsoft.com/office/powerpoint/2010/main" val="1588707814"/>
-      </p:ext>
-    </p:extLst>
-  </p:cSld>
-  <p:clrMapOvr>
-    <a:masterClrMapping/>
-  </p:clrMapOvr>
-</p:sld>
-</file>
-
-<file path=ppt/slides/slide7.xml><?xml version="1.0" encoding="utf-8"?>
-<p:sld xmlns:a="http://schemas.openxmlformats.org/drawingml/2006/main" xmlns:r="http://schemas.openxmlformats.org/officeDocument/2006/relationships" xmlns:p="http://schemas.openxmlformats.org/presentationml/2006/main">
-  <p:cSld>
-    <p:spTree>
-      <p:nvGrpSpPr>
-        <p:cNvPr id="1" name=""/>
-        <p:cNvGrpSpPr/>
-        <p:nvPr/>
-      </p:nvGrpSpPr>
-      <p:grpSpPr>
-        <a:xfrm>
-          <a:off x="0" y="0"/>
-          <a:ext cx="0" cy="0"/>
-          <a:chOff x="0" y="0"/>
-          <a:chExt cx="0" cy="0"/>
-        </a:xfrm>
-      </p:grpSpPr>
-      <p:sp>
-        <p:nvSpPr>
-          <p:cNvPr id="2" name="Espace réservé du numéro de diapositive 1">
-            <a:extLst>
-              <a:ext uri="{FF2B5EF4-FFF2-40B4-BE49-F238E27FC236}">
-                <a16:creationId xmlns:a16="http://schemas.microsoft.com/office/drawing/2014/main" id="{10B406AA-0058-4DB3-9A3B-6F84125528D6}"/>
-              </a:ext>
-            </a:extLst>
-          </p:cNvPr>
-          <p:cNvSpPr>
-            <a:spLocks noGrp="1"/>
-          </p:cNvSpPr>
-          <p:nvPr>
-            <p:ph type="sldNum" sz="quarter" idx="12"/>
-          </p:nvPr>
-        </p:nvSpPr>
-        <p:spPr/>
-        <p:txBody>
-          <a:bodyPr/>
-          <a:lstStyle/>
-          <a:p>
-            <a:fld id="{4FAB73BC-B049-4115-A692-8D63A059BFB8}" type="slidenum">
-              <a:rPr lang="en-US" smtClean="0"/>
-              <a:pPr/>
-              <a:t>7</a:t>
             </a:fld>
             <a:endParaRPr lang="en-US" dirty="0"/>
           </a:p>
@@ -9542,7 +9456,7 @@
 </p:sld>
 </file>
 
-<file path=ppt/slides/slide8.xml><?xml version="1.0" encoding="utf-8"?>
+<file path=ppt/slides/slide7.xml><?xml version="1.0" encoding="utf-8"?>
 <p:sld xmlns:a="http://schemas.openxmlformats.org/drawingml/2006/main" xmlns:r="http://schemas.openxmlformats.org/officeDocument/2006/relationships" xmlns:p="http://schemas.openxmlformats.org/presentationml/2006/main">
   <p:cSld>
     <p:spTree>
@@ -9583,7 +9497,7 @@
             <a:fld id="{4FAB73BC-B049-4115-A692-8D63A059BFB8}" type="slidenum">
               <a:rPr lang="en-US" smtClean="0"/>
               <a:pPr/>
-              <a:t>8</a:t>
+              <a:t>7</a:t>
             </a:fld>
             <a:endParaRPr lang="en-US" dirty="0"/>
           </a:p>
